--- a/PowerPoint/FLUTTER_EP87.pptx
+++ b/PowerPoint/FLUTTER_EP87.pptx
@@ -5,7 +5,7 @@
     <p:sldMasterId id="2147483929" r:id="rId1"/>
   </p:sldMasterIdLst>
   <p:notesMasterIdLst>
-    <p:notesMasterId r:id="rId10"/>
+    <p:notesMasterId r:id="rId11"/>
   </p:notesMasterIdLst>
   <p:sldIdLst>
     <p:sldId id="256" r:id="rId2"/>
@@ -15,7 +15,8 @@
     <p:sldId id="296" r:id="rId6"/>
     <p:sldId id="294" r:id="rId7"/>
     <p:sldId id="295" r:id="rId8"/>
-    <p:sldId id="297" r:id="rId9"/>
+    <p:sldId id="298" r:id="rId9"/>
+    <p:sldId id="297" r:id="rId10"/>
   </p:sldIdLst>
   <p:sldSz cx="12192000" cy="6858000"/>
   <p:notesSz cx="6858000" cy="9144000"/>
@@ -4352,11 +4353,7 @@
             </a:br>
             <a:r>
               <a:rPr lang="en-US" sz="4000" smtClean="0"/>
-              <a:t>Save and Search Food Menu </a:t>
-            </a:r>
-            <a:r>
-              <a:rPr lang="en-US" sz="4000" smtClean="0"/>
-              <a:t>to DB</a:t>
+              <a:t>Save and Search Food Menu to DB</a:t>
             </a:r>
             <a:r>
               <a:rPr lang="en-US" sz="4400" smtClean="0"/>
@@ -4557,11 +4554,7 @@
             </a:pPr>
             <a:r>
               <a:rPr lang="en-US" sz="3200" smtClean="0"/>
-              <a:t>Coding </a:t>
-            </a:r>
-            <a:r>
-              <a:rPr lang="en-US" sz="3200" smtClean="0"/>
-              <a:t>MenuModel</a:t>
+              <a:t>Coding MenuModel</a:t>
             </a:r>
           </a:p>
           <a:p>
@@ -4573,7 +4566,6 @@
               <a:rPr lang="en-US" sz="3200" smtClean="0"/>
               <a:t>Coding MenuServices</a:t>
             </a:r>
-            <a:endParaRPr lang="en-US" sz="3200" smtClean="0"/>
           </a:p>
           <a:p>
             <a:pPr lvl="1">
@@ -4741,11 +4733,7 @@
             </a:pPr>
             <a:r>
               <a:rPr lang="en-US" sz="2800"/>
-              <a:t>Get data from Firestore (</a:t>
-            </a:r>
-            <a:r>
-              <a:rPr lang="en-US" sz="2800"/>
-              <a:t>DB</a:t>
+              <a:t>Get data from Firestore (DB</a:t>
             </a:r>
             <a:r>
               <a:rPr lang="en-US" sz="2800" smtClean="0"/>
@@ -5528,6 +5516,121 @@
 </file>
 
 <file path=ppt/slides/slide8.xml><?xml version="1.0" encoding="utf-8"?>
+<p:sld xmlns:a="http://schemas.openxmlformats.org/drawingml/2006/main" xmlns:r="http://schemas.openxmlformats.org/officeDocument/2006/relationships" xmlns:p="http://schemas.openxmlformats.org/presentationml/2006/main">
+  <p:cSld>
+    <p:spTree>
+      <p:nvGrpSpPr>
+        <p:cNvPr id="1" name=""/>
+        <p:cNvGrpSpPr/>
+        <p:nvPr/>
+      </p:nvGrpSpPr>
+      <p:grpSpPr>
+        <a:xfrm>
+          <a:off x="0" y="0"/>
+          <a:ext cx="0" cy="0"/>
+          <a:chOff x="0" y="0"/>
+          <a:chExt cx="0" cy="0"/>
+        </a:xfrm>
+      </p:grpSpPr>
+      <p:sp>
+        <p:nvSpPr>
+          <p:cNvPr id="2" name="Title 1"/>
+          <p:cNvSpPr>
+            <a:spLocks noGrp="1"/>
+          </p:cNvSpPr>
+          <p:nvPr>
+            <p:ph type="title"/>
+          </p:nvPr>
+        </p:nvSpPr>
+        <p:spPr/>
+        <p:txBody>
+          <a:bodyPr/>
+          <a:lstStyle/>
+          <a:p>
+            <a:r>
+              <a:rPr lang="en-US" smtClean="0"/>
+              <a:t>Print Output</a:t>
+            </a:r>
+            <a:endParaRPr lang="en-US"/>
+          </a:p>
+        </p:txBody>
+      </p:sp>
+      <p:pic>
+        <p:nvPicPr>
+          <p:cNvPr id="5" name="Picture 4"/>
+          <p:cNvPicPr>
+            <a:picLocks noChangeAspect="1"/>
+          </p:cNvPicPr>
+          <p:nvPr/>
+        </p:nvPicPr>
+        <p:blipFill>
+          <a:blip r:embed="rId2"/>
+          <a:stretch>
+            <a:fillRect/>
+          </a:stretch>
+        </p:blipFill>
+        <p:spPr>
+          <a:xfrm>
+            <a:off x="609600" y="922615"/>
+            <a:ext cx="8168640" cy="5107436"/>
+          </a:xfrm>
+          <a:prstGeom prst="rect">
+            <a:avLst/>
+          </a:prstGeom>
+        </p:spPr>
+      </p:pic>
+      <p:sp>
+        <p:nvSpPr>
+          <p:cNvPr id="6" name="TextBox 5"/>
+          <p:cNvSpPr txBox="1"/>
+          <p:nvPr/>
+        </p:nvSpPr>
+        <p:spPr>
+          <a:xfrm>
+            <a:off x="952901" y="6208295"/>
+            <a:ext cx="3801979" cy="365760"/>
+          </a:xfrm>
+          <a:prstGeom prst="rect">
+            <a:avLst/>
+          </a:prstGeom>
+          <a:noFill/>
+        </p:spPr>
+        <p:txBody>
+          <a:bodyPr wrap="square" rtlCol="0">
+            <a:spAutoFit/>
+          </a:bodyPr>
+          <a:lstStyle/>
+          <a:p>
+            <a:r>
+              <a:rPr lang="en-US" smtClean="0"/>
+              <a:t>VS Code View, Teminal</a:t>
+            </a:r>
+            <a:endParaRPr lang="en-US"/>
+          </a:p>
+        </p:txBody>
+      </p:sp>
+    </p:spTree>
+    <p:extLst>
+      <p:ext uri="{BB962C8B-B14F-4D97-AF65-F5344CB8AC3E}">
+        <p14:creationId xmlns:p14="http://schemas.microsoft.com/office/powerpoint/2010/main" val="1832950455"/>
+      </p:ext>
+    </p:extLst>
+  </p:cSld>
+  <p:clrMapOvr>
+    <a:masterClrMapping/>
+  </p:clrMapOvr>
+  <mc:AlternateContent xmlns:mc="http://schemas.openxmlformats.org/markup-compatibility/2006" xmlns:p14="http://schemas.microsoft.com/office/powerpoint/2010/main">
+    <mc:Choice Requires="p14">
+      <p:transition spd="slow" p14:dur="2000"/>
+    </mc:Choice>
+    <mc:Fallback xmlns="">
+      <p:transition spd="slow"/>
+    </mc:Fallback>
+  </mc:AlternateContent>
+</p:sld>
+</file>
+
+<file path=ppt/slides/slide9.xml><?xml version="1.0" encoding="utf-8"?>
 <p:sld xmlns:a="http://schemas.openxmlformats.org/drawingml/2006/main" xmlns:r="http://schemas.openxmlformats.org/officeDocument/2006/relationships" xmlns:p="http://schemas.openxmlformats.org/presentationml/2006/main">
   <p:cSld>
     <p:spTree>
